--- a/ppt 16-9/1509.高歌.pptx
+++ b/ppt 16-9/1509.高歌.pptx
@@ -5,7 +5,7 @@
     <p:sldMasterId id="2147483648" r:id="rId1"/>
   </p:sldMasterIdLst>
   <p:sldIdLst>
-    <p:sldId id="1911" r:id="rId2"/>
+    <p:sldId id="1912" r:id="rId2"/>
   </p:sldIdLst>
   <p:sldSz cx="12192000" cy="6858000"/>
   <p:notesSz cx="6858000" cy="9144000"/>
@@ -129,7 +129,7 @@
           <p:cNvPr id="2" name="标题 1">
             <a:extLst>
               <a:ext uri="{FF2B5EF4-FFF2-40B4-BE49-F238E27FC236}">
-                <a16:creationId xmlns:a16="http://schemas.microsoft.com/office/drawing/2014/main" id="{83D7E4CA-1A89-9CA4-1716-5B19E226A066}"/>
+                <a16:creationId xmlns:a16="http://schemas.microsoft.com/office/drawing/2014/main" id="{594F560C-BA0E-CA7D-2B23-75693AF66678}"/>
               </a:ext>
             </a:extLst>
           </p:cNvPr>
@@ -166,7 +166,7 @@
           <p:cNvPr id="3" name="副标题 2">
             <a:extLst>
               <a:ext uri="{FF2B5EF4-FFF2-40B4-BE49-F238E27FC236}">
-                <a16:creationId xmlns:a16="http://schemas.microsoft.com/office/drawing/2014/main" id="{11D0B3E4-1DE4-001E-6E10-01E825C98A69}"/>
+                <a16:creationId xmlns:a16="http://schemas.microsoft.com/office/drawing/2014/main" id="{8ECF2FA2-0773-F666-7EBB-8FB65C8409A7}"/>
               </a:ext>
             </a:extLst>
           </p:cNvPr>
@@ -236,7 +236,7 @@
           <p:cNvPr id="4" name="日期占位符 3">
             <a:extLst>
               <a:ext uri="{FF2B5EF4-FFF2-40B4-BE49-F238E27FC236}">
-                <a16:creationId xmlns:a16="http://schemas.microsoft.com/office/drawing/2014/main" id="{02A48DCE-E1AE-754C-6099-F8640A2A756D}"/>
+                <a16:creationId xmlns:a16="http://schemas.microsoft.com/office/drawing/2014/main" id="{EF3C0AA4-3E5E-5F37-43FD-59F9A34F2F71}"/>
               </a:ext>
             </a:extLst>
           </p:cNvPr>
@@ -252,7 +252,7 @@
           <a:bodyPr/>
           <a:lstStyle/>
           <a:p>
-            <a:fld id="{FEED5335-DE04-4904-A97B-8CFA0625A042}" type="datetimeFigureOut">
+            <a:fld id="{049BA91F-0589-443C-BC9F-538F03BCCCF9}" type="datetimeFigureOut">
               <a:rPr lang="zh-CN" altLang="en-US" smtClean="0"/>
               <a:t>2024/3/10</a:t>
             </a:fld>
@@ -265,7 +265,7 @@
           <p:cNvPr id="5" name="页脚占位符 4">
             <a:extLst>
               <a:ext uri="{FF2B5EF4-FFF2-40B4-BE49-F238E27FC236}">
-                <a16:creationId xmlns:a16="http://schemas.microsoft.com/office/drawing/2014/main" id="{993FA01E-15B7-EDA4-E75A-C25D2683F133}"/>
+                <a16:creationId xmlns:a16="http://schemas.microsoft.com/office/drawing/2014/main" id="{EADB453F-2042-B402-E721-B174AEE86B1E}"/>
               </a:ext>
             </a:extLst>
           </p:cNvPr>
@@ -290,7 +290,7 @@
           <p:cNvPr id="6" name="灯片编号占位符 5">
             <a:extLst>
               <a:ext uri="{FF2B5EF4-FFF2-40B4-BE49-F238E27FC236}">
-                <a16:creationId xmlns:a16="http://schemas.microsoft.com/office/drawing/2014/main" id="{C63350A9-0E25-5ADD-947C-404C5CF2BB29}"/>
+                <a16:creationId xmlns:a16="http://schemas.microsoft.com/office/drawing/2014/main" id="{34F1581A-635E-0454-7372-71F206879567}"/>
               </a:ext>
             </a:extLst>
           </p:cNvPr>
@@ -306,7 +306,7 @@
           <a:bodyPr/>
           <a:lstStyle/>
           <a:p>
-            <a:fld id="{6C5238C9-EF13-44FB-9214-15AEE9F86D62}" type="slidenum">
+            <a:fld id="{CD7DBB6D-0F43-4935-9246-D6C66D4F0ABF}" type="slidenum">
               <a:rPr lang="zh-CN" altLang="en-US" smtClean="0"/>
               <a:t>‹#›</a:t>
             </a:fld>
@@ -317,7 +317,7 @@
     </p:spTree>
     <p:extLst>
       <p:ext uri="{BB962C8B-B14F-4D97-AF65-F5344CB8AC3E}">
-        <p14:creationId xmlns:p14="http://schemas.microsoft.com/office/powerpoint/2010/main" val="1837506194"/>
+        <p14:creationId xmlns:p14="http://schemas.microsoft.com/office/powerpoint/2010/main" val="378477772"/>
       </p:ext>
     </p:extLst>
   </p:cSld>
@@ -349,7 +349,7 @@
           <p:cNvPr id="2" name="标题 1">
             <a:extLst>
               <a:ext uri="{FF2B5EF4-FFF2-40B4-BE49-F238E27FC236}">
-                <a16:creationId xmlns:a16="http://schemas.microsoft.com/office/drawing/2014/main" id="{FE032CFA-9BAC-CF02-DCA1-E5FA1EA46BEF}"/>
+                <a16:creationId xmlns:a16="http://schemas.microsoft.com/office/drawing/2014/main" id="{D56CEAAD-B644-6BB2-5437-AD437F08AA67}"/>
               </a:ext>
             </a:extLst>
           </p:cNvPr>
@@ -377,7 +377,7 @@
           <p:cNvPr id="3" name="竖排文字占位符 2">
             <a:extLst>
               <a:ext uri="{FF2B5EF4-FFF2-40B4-BE49-F238E27FC236}">
-                <a16:creationId xmlns:a16="http://schemas.microsoft.com/office/drawing/2014/main" id="{FFEF5937-4576-8F3F-563F-36936A8FFD62}"/>
+                <a16:creationId xmlns:a16="http://schemas.microsoft.com/office/drawing/2014/main" id="{CA767984-AA67-309F-F5D8-006CC3787AD9}"/>
               </a:ext>
             </a:extLst>
           </p:cNvPr>
@@ -434,7 +434,7 @@
           <p:cNvPr id="4" name="日期占位符 3">
             <a:extLst>
               <a:ext uri="{FF2B5EF4-FFF2-40B4-BE49-F238E27FC236}">
-                <a16:creationId xmlns:a16="http://schemas.microsoft.com/office/drawing/2014/main" id="{E404E06F-1B57-CFA3-E679-334B5865543B}"/>
+                <a16:creationId xmlns:a16="http://schemas.microsoft.com/office/drawing/2014/main" id="{8019BAFD-258E-2F78-3704-1DD8FFEF3775}"/>
               </a:ext>
             </a:extLst>
           </p:cNvPr>
@@ -450,7 +450,7 @@
           <a:bodyPr/>
           <a:lstStyle/>
           <a:p>
-            <a:fld id="{FEED5335-DE04-4904-A97B-8CFA0625A042}" type="datetimeFigureOut">
+            <a:fld id="{049BA91F-0589-443C-BC9F-538F03BCCCF9}" type="datetimeFigureOut">
               <a:rPr lang="zh-CN" altLang="en-US" smtClean="0"/>
               <a:t>2024/3/10</a:t>
             </a:fld>
@@ -463,7 +463,7 @@
           <p:cNvPr id="5" name="页脚占位符 4">
             <a:extLst>
               <a:ext uri="{FF2B5EF4-FFF2-40B4-BE49-F238E27FC236}">
-                <a16:creationId xmlns:a16="http://schemas.microsoft.com/office/drawing/2014/main" id="{1D9AB8A9-B792-2113-1419-20E34831519F}"/>
+                <a16:creationId xmlns:a16="http://schemas.microsoft.com/office/drawing/2014/main" id="{5F790B20-E70C-5AD6-49CB-207DDCCECE4B}"/>
               </a:ext>
             </a:extLst>
           </p:cNvPr>
@@ -488,7 +488,7 @@
           <p:cNvPr id="6" name="灯片编号占位符 5">
             <a:extLst>
               <a:ext uri="{FF2B5EF4-FFF2-40B4-BE49-F238E27FC236}">
-                <a16:creationId xmlns:a16="http://schemas.microsoft.com/office/drawing/2014/main" id="{3B0B67EC-AD59-92A7-6C37-7C3BFE5CF631}"/>
+                <a16:creationId xmlns:a16="http://schemas.microsoft.com/office/drawing/2014/main" id="{F76A918F-A0B3-156A-3FC6-988E136A4673}"/>
               </a:ext>
             </a:extLst>
           </p:cNvPr>
@@ -504,7 +504,7 @@
           <a:bodyPr/>
           <a:lstStyle/>
           <a:p>
-            <a:fld id="{6C5238C9-EF13-44FB-9214-15AEE9F86D62}" type="slidenum">
+            <a:fld id="{CD7DBB6D-0F43-4935-9246-D6C66D4F0ABF}" type="slidenum">
               <a:rPr lang="zh-CN" altLang="en-US" smtClean="0"/>
               <a:t>‹#›</a:t>
             </a:fld>
@@ -515,7 +515,7 @@
     </p:spTree>
     <p:extLst>
       <p:ext uri="{BB962C8B-B14F-4D97-AF65-F5344CB8AC3E}">
-        <p14:creationId xmlns:p14="http://schemas.microsoft.com/office/powerpoint/2010/main" val="3000234958"/>
+        <p14:creationId xmlns:p14="http://schemas.microsoft.com/office/powerpoint/2010/main" val="2478822931"/>
       </p:ext>
     </p:extLst>
   </p:cSld>
@@ -547,7 +547,7 @@
           <p:cNvPr id="2" name="竖排标题 1">
             <a:extLst>
               <a:ext uri="{FF2B5EF4-FFF2-40B4-BE49-F238E27FC236}">
-                <a16:creationId xmlns:a16="http://schemas.microsoft.com/office/drawing/2014/main" id="{DFA02D72-D656-73E6-D524-23CDBFA37E47}"/>
+                <a16:creationId xmlns:a16="http://schemas.microsoft.com/office/drawing/2014/main" id="{4B41FE39-5742-9E7C-9B4B-58A7D5676F78}"/>
               </a:ext>
             </a:extLst>
           </p:cNvPr>
@@ -580,7 +580,7 @@
           <p:cNvPr id="3" name="竖排文字占位符 2">
             <a:extLst>
               <a:ext uri="{FF2B5EF4-FFF2-40B4-BE49-F238E27FC236}">
-                <a16:creationId xmlns:a16="http://schemas.microsoft.com/office/drawing/2014/main" id="{CE7573E2-D214-51F2-FD4E-F03A8B54063A}"/>
+                <a16:creationId xmlns:a16="http://schemas.microsoft.com/office/drawing/2014/main" id="{093021D7-A217-4369-751E-5149079732E1}"/>
               </a:ext>
             </a:extLst>
           </p:cNvPr>
@@ -642,7 +642,7 @@
           <p:cNvPr id="4" name="日期占位符 3">
             <a:extLst>
               <a:ext uri="{FF2B5EF4-FFF2-40B4-BE49-F238E27FC236}">
-                <a16:creationId xmlns:a16="http://schemas.microsoft.com/office/drawing/2014/main" id="{24894C3C-77A7-FF74-A50B-4D81EE817D8D}"/>
+                <a16:creationId xmlns:a16="http://schemas.microsoft.com/office/drawing/2014/main" id="{A77A3CB4-1F77-5248-3AE1-54D3CA11F5B3}"/>
               </a:ext>
             </a:extLst>
           </p:cNvPr>
@@ -658,7 +658,7 @@
           <a:bodyPr/>
           <a:lstStyle/>
           <a:p>
-            <a:fld id="{FEED5335-DE04-4904-A97B-8CFA0625A042}" type="datetimeFigureOut">
+            <a:fld id="{049BA91F-0589-443C-BC9F-538F03BCCCF9}" type="datetimeFigureOut">
               <a:rPr lang="zh-CN" altLang="en-US" smtClean="0"/>
               <a:t>2024/3/10</a:t>
             </a:fld>
@@ -671,7 +671,7 @@
           <p:cNvPr id="5" name="页脚占位符 4">
             <a:extLst>
               <a:ext uri="{FF2B5EF4-FFF2-40B4-BE49-F238E27FC236}">
-                <a16:creationId xmlns:a16="http://schemas.microsoft.com/office/drawing/2014/main" id="{26764F33-2B1C-1556-3AF9-E9EDA655EAD7}"/>
+                <a16:creationId xmlns:a16="http://schemas.microsoft.com/office/drawing/2014/main" id="{B8C7F261-164C-45F3-6FC2-3646D11FCCC8}"/>
               </a:ext>
             </a:extLst>
           </p:cNvPr>
@@ -696,7 +696,7 @@
           <p:cNvPr id="6" name="灯片编号占位符 5">
             <a:extLst>
               <a:ext uri="{FF2B5EF4-FFF2-40B4-BE49-F238E27FC236}">
-                <a16:creationId xmlns:a16="http://schemas.microsoft.com/office/drawing/2014/main" id="{9280A7B2-C46E-F824-FD63-C1C31CA4180E}"/>
+                <a16:creationId xmlns:a16="http://schemas.microsoft.com/office/drawing/2014/main" id="{532EBC04-096F-9B94-D235-6D4E980A7E09}"/>
               </a:ext>
             </a:extLst>
           </p:cNvPr>
@@ -712,7 +712,7 @@
           <a:bodyPr/>
           <a:lstStyle/>
           <a:p>
-            <a:fld id="{6C5238C9-EF13-44FB-9214-15AEE9F86D62}" type="slidenum">
+            <a:fld id="{CD7DBB6D-0F43-4935-9246-D6C66D4F0ABF}" type="slidenum">
               <a:rPr lang="zh-CN" altLang="en-US" smtClean="0"/>
               <a:t>‹#›</a:t>
             </a:fld>
@@ -723,7 +723,7 @@
     </p:spTree>
     <p:extLst>
       <p:ext uri="{BB962C8B-B14F-4D97-AF65-F5344CB8AC3E}">
-        <p14:creationId xmlns:p14="http://schemas.microsoft.com/office/powerpoint/2010/main" val="3327050532"/>
+        <p14:creationId xmlns:p14="http://schemas.microsoft.com/office/powerpoint/2010/main" val="1478047747"/>
       </p:ext>
     </p:extLst>
   </p:cSld>
@@ -755,7 +755,7 @@
           <p:cNvPr id="2" name="标题 1">
             <a:extLst>
               <a:ext uri="{FF2B5EF4-FFF2-40B4-BE49-F238E27FC236}">
-                <a16:creationId xmlns:a16="http://schemas.microsoft.com/office/drawing/2014/main" id="{865B906C-EA08-3C84-4854-51910050E032}"/>
+                <a16:creationId xmlns:a16="http://schemas.microsoft.com/office/drawing/2014/main" id="{276B873C-56A3-0175-F9E0-763FCD8FA76C}"/>
               </a:ext>
             </a:extLst>
           </p:cNvPr>
@@ -783,7 +783,7 @@
           <p:cNvPr id="3" name="内容占位符 2">
             <a:extLst>
               <a:ext uri="{FF2B5EF4-FFF2-40B4-BE49-F238E27FC236}">
-                <a16:creationId xmlns:a16="http://schemas.microsoft.com/office/drawing/2014/main" id="{A1DFC20F-6F34-2A73-49B3-33D4607FD260}"/>
+                <a16:creationId xmlns:a16="http://schemas.microsoft.com/office/drawing/2014/main" id="{EFDAE63C-BA8C-21DA-24C3-88EC1B199883}"/>
               </a:ext>
             </a:extLst>
           </p:cNvPr>
@@ -840,7 +840,7 @@
           <p:cNvPr id="4" name="日期占位符 3">
             <a:extLst>
               <a:ext uri="{FF2B5EF4-FFF2-40B4-BE49-F238E27FC236}">
-                <a16:creationId xmlns:a16="http://schemas.microsoft.com/office/drawing/2014/main" id="{EDB61A5A-C78F-BB39-7001-9B3A6142F4F9}"/>
+                <a16:creationId xmlns:a16="http://schemas.microsoft.com/office/drawing/2014/main" id="{9D227365-C1EB-9A43-D04A-82BBBDFA91B4}"/>
               </a:ext>
             </a:extLst>
           </p:cNvPr>
@@ -856,7 +856,7 @@
           <a:bodyPr/>
           <a:lstStyle/>
           <a:p>
-            <a:fld id="{FEED5335-DE04-4904-A97B-8CFA0625A042}" type="datetimeFigureOut">
+            <a:fld id="{049BA91F-0589-443C-BC9F-538F03BCCCF9}" type="datetimeFigureOut">
               <a:rPr lang="zh-CN" altLang="en-US" smtClean="0"/>
               <a:t>2024/3/10</a:t>
             </a:fld>
@@ -869,7 +869,7 @@
           <p:cNvPr id="5" name="页脚占位符 4">
             <a:extLst>
               <a:ext uri="{FF2B5EF4-FFF2-40B4-BE49-F238E27FC236}">
-                <a16:creationId xmlns:a16="http://schemas.microsoft.com/office/drawing/2014/main" id="{81FBDBDC-184E-9CB0-E79A-17B116DD9AC5}"/>
+                <a16:creationId xmlns:a16="http://schemas.microsoft.com/office/drawing/2014/main" id="{A0E20D1E-A9D2-0826-7B14-DAD91F59FD9E}"/>
               </a:ext>
             </a:extLst>
           </p:cNvPr>
@@ -894,7 +894,7 @@
           <p:cNvPr id="6" name="灯片编号占位符 5">
             <a:extLst>
               <a:ext uri="{FF2B5EF4-FFF2-40B4-BE49-F238E27FC236}">
-                <a16:creationId xmlns:a16="http://schemas.microsoft.com/office/drawing/2014/main" id="{F54EACEE-5F2E-C3F7-6F11-1B1D0B0EB37B}"/>
+                <a16:creationId xmlns:a16="http://schemas.microsoft.com/office/drawing/2014/main" id="{8B04AB0A-A5E5-3F7D-F9C5-41A5766E43AB}"/>
               </a:ext>
             </a:extLst>
           </p:cNvPr>
@@ -910,7 +910,7 @@
           <a:bodyPr/>
           <a:lstStyle/>
           <a:p>
-            <a:fld id="{6C5238C9-EF13-44FB-9214-15AEE9F86D62}" type="slidenum">
+            <a:fld id="{CD7DBB6D-0F43-4935-9246-D6C66D4F0ABF}" type="slidenum">
               <a:rPr lang="zh-CN" altLang="en-US" smtClean="0"/>
               <a:t>‹#›</a:t>
             </a:fld>
@@ -921,7 +921,7 @@
     </p:spTree>
     <p:extLst>
       <p:ext uri="{BB962C8B-B14F-4D97-AF65-F5344CB8AC3E}">
-        <p14:creationId xmlns:p14="http://schemas.microsoft.com/office/powerpoint/2010/main" val="3545580254"/>
+        <p14:creationId xmlns:p14="http://schemas.microsoft.com/office/powerpoint/2010/main" val="1142539775"/>
       </p:ext>
     </p:extLst>
   </p:cSld>
@@ -953,7 +953,7 @@
           <p:cNvPr id="2" name="标题 1">
             <a:extLst>
               <a:ext uri="{FF2B5EF4-FFF2-40B4-BE49-F238E27FC236}">
-                <a16:creationId xmlns:a16="http://schemas.microsoft.com/office/drawing/2014/main" id="{00CB46BB-4D64-B65F-F0E4-76727CDB9AE6}"/>
+                <a16:creationId xmlns:a16="http://schemas.microsoft.com/office/drawing/2014/main" id="{1127CB4B-0B73-328E-8663-FD037B50296D}"/>
               </a:ext>
             </a:extLst>
           </p:cNvPr>
@@ -990,7 +990,7 @@
           <p:cNvPr id="3" name="文本占位符 2">
             <a:extLst>
               <a:ext uri="{FF2B5EF4-FFF2-40B4-BE49-F238E27FC236}">
-                <a16:creationId xmlns:a16="http://schemas.microsoft.com/office/drawing/2014/main" id="{70E18F6B-CFA1-1453-59BC-9180183AD342}"/>
+                <a16:creationId xmlns:a16="http://schemas.microsoft.com/office/drawing/2014/main" id="{0591AAF9-7319-595C-641A-8CCC9FE7C9A0}"/>
               </a:ext>
             </a:extLst>
           </p:cNvPr>
@@ -1115,7 +1115,7 @@
           <p:cNvPr id="4" name="日期占位符 3">
             <a:extLst>
               <a:ext uri="{FF2B5EF4-FFF2-40B4-BE49-F238E27FC236}">
-                <a16:creationId xmlns:a16="http://schemas.microsoft.com/office/drawing/2014/main" id="{8A11F565-596B-38D0-B417-9CE47366772A}"/>
+                <a16:creationId xmlns:a16="http://schemas.microsoft.com/office/drawing/2014/main" id="{04ADE835-98CC-02AD-8EED-C10DBA0F92FC}"/>
               </a:ext>
             </a:extLst>
           </p:cNvPr>
@@ -1131,7 +1131,7 @@
           <a:bodyPr/>
           <a:lstStyle/>
           <a:p>
-            <a:fld id="{FEED5335-DE04-4904-A97B-8CFA0625A042}" type="datetimeFigureOut">
+            <a:fld id="{049BA91F-0589-443C-BC9F-538F03BCCCF9}" type="datetimeFigureOut">
               <a:rPr lang="zh-CN" altLang="en-US" smtClean="0"/>
               <a:t>2024/3/10</a:t>
             </a:fld>
@@ -1144,7 +1144,7 @@
           <p:cNvPr id="5" name="页脚占位符 4">
             <a:extLst>
               <a:ext uri="{FF2B5EF4-FFF2-40B4-BE49-F238E27FC236}">
-                <a16:creationId xmlns:a16="http://schemas.microsoft.com/office/drawing/2014/main" id="{6E632230-B188-FB4B-4E2A-6E7EBC83A34D}"/>
+                <a16:creationId xmlns:a16="http://schemas.microsoft.com/office/drawing/2014/main" id="{BAF3C087-DDC1-8F0E-FAC2-3377613840DC}"/>
               </a:ext>
             </a:extLst>
           </p:cNvPr>
@@ -1169,7 +1169,7 @@
           <p:cNvPr id="6" name="灯片编号占位符 5">
             <a:extLst>
               <a:ext uri="{FF2B5EF4-FFF2-40B4-BE49-F238E27FC236}">
-                <a16:creationId xmlns:a16="http://schemas.microsoft.com/office/drawing/2014/main" id="{215BA254-F6DC-83B1-0832-230149BEB8A9}"/>
+                <a16:creationId xmlns:a16="http://schemas.microsoft.com/office/drawing/2014/main" id="{9C6F726E-FA93-D3B0-5203-709E2AADCEB0}"/>
               </a:ext>
             </a:extLst>
           </p:cNvPr>
@@ -1185,7 +1185,7 @@
           <a:bodyPr/>
           <a:lstStyle/>
           <a:p>
-            <a:fld id="{6C5238C9-EF13-44FB-9214-15AEE9F86D62}" type="slidenum">
+            <a:fld id="{CD7DBB6D-0F43-4935-9246-D6C66D4F0ABF}" type="slidenum">
               <a:rPr lang="zh-CN" altLang="en-US" smtClean="0"/>
               <a:t>‹#›</a:t>
             </a:fld>
@@ -1196,7 +1196,7 @@
     </p:spTree>
     <p:extLst>
       <p:ext uri="{BB962C8B-B14F-4D97-AF65-F5344CB8AC3E}">
-        <p14:creationId xmlns:p14="http://schemas.microsoft.com/office/powerpoint/2010/main" val="313517371"/>
+        <p14:creationId xmlns:p14="http://schemas.microsoft.com/office/powerpoint/2010/main" val="2637340140"/>
       </p:ext>
     </p:extLst>
   </p:cSld>
@@ -1228,7 +1228,7 @@
           <p:cNvPr id="2" name="标题 1">
             <a:extLst>
               <a:ext uri="{FF2B5EF4-FFF2-40B4-BE49-F238E27FC236}">
-                <a16:creationId xmlns:a16="http://schemas.microsoft.com/office/drawing/2014/main" id="{4647A749-3CB7-ECFC-BFF0-F63B64B0DE00}"/>
+                <a16:creationId xmlns:a16="http://schemas.microsoft.com/office/drawing/2014/main" id="{338955B4-7100-22E2-D8C8-C12EE3A9D1A5}"/>
               </a:ext>
             </a:extLst>
           </p:cNvPr>
@@ -1256,7 +1256,7 @@
           <p:cNvPr id="3" name="内容占位符 2">
             <a:extLst>
               <a:ext uri="{FF2B5EF4-FFF2-40B4-BE49-F238E27FC236}">
-                <a16:creationId xmlns:a16="http://schemas.microsoft.com/office/drawing/2014/main" id="{F5E73F66-219B-6D45-3C43-221D2888D967}"/>
+                <a16:creationId xmlns:a16="http://schemas.microsoft.com/office/drawing/2014/main" id="{D4306211-C361-A656-91EB-62406A84700A}"/>
               </a:ext>
             </a:extLst>
           </p:cNvPr>
@@ -1318,7 +1318,7 @@
           <p:cNvPr id="4" name="内容占位符 3">
             <a:extLst>
               <a:ext uri="{FF2B5EF4-FFF2-40B4-BE49-F238E27FC236}">
-                <a16:creationId xmlns:a16="http://schemas.microsoft.com/office/drawing/2014/main" id="{CD8A5F92-536E-9BD9-C7CE-2A448564D2B2}"/>
+                <a16:creationId xmlns:a16="http://schemas.microsoft.com/office/drawing/2014/main" id="{0988EEE9-0C84-8F43-2A21-DF01484DA10D}"/>
               </a:ext>
             </a:extLst>
           </p:cNvPr>
@@ -1380,7 +1380,7 @@
           <p:cNvPr id="5" name="日期占位符 4">
             <a:extLst>
               <a:ext uri="{FF2B5EF4-FFF2-40B4-BE49-F238E27FC236}">
-                <a16:creationId xmlns:a16="http://schemas.microsoft.com/office/drawing/2014/main" id="{154C3301-8ADA-D9F0-735C-A957C174D156}"/>
+                <a16:creationId xmlns:a16="http://schemas.microsoft.com/office/drawing/2014/main" id="{E7195C14-34E0-D017-9299-CFA552CD54D2}"/>
               </a:ext>
             </a:extLst>
           </p:cNvPr>
@@ -1396,7 +1396,7 @@
           <a:bodyPr/>
           <a:lstStyle/>
           <a:p>
-            <a:fld id="{FEED5335-DE04-4904-A97B-8CFA0625A042}" type="datetimeFigureOut">
+            <a:fld id="{049BA91F-0589-443C-BC9F-538F03BCCCF9}" type="datetimeFigureOut">
               <a:rPr lang="zh-CN" altLang="en-US" smtClean="0"/>
               <a:t>2024/3/10</a:t>
             </a:fld>
@@ -1409,7 +1409,7 @@
           <p:cNvPr id="6" name="页脚占位符 5">
             <a:extLst>
               <a:ext uri="{FF2B5EF4-FFF2-40B4-BE49-F238E27FC236}">
-                <a16:creationId xmlns:a16="http://schemas.microsoft.com/office/drawing/2014/main" id="{69A535B9-7C97-EF3B-97A9-7651C29EE25B}"/>
+                <a16:creationId xmlns:a16="http://schemas.microsoft.com/office/drawing/2014/main" id="{480C372F-765D-2EAA-6EB0-669CFA25B02D}"/>
               </a:ext>
             </a:extLst>
           </p:cNvPr>
@@ -1434,7 +1434,7 @@
           <p:cNvPr id="7" name="灯片编号占位符 6">
             <a:extLst>
               <a:ext uri="{FF2B5EF4-FFF2-40B4-BE49-F238E27FC236}">
-                <a16:creationId xmlns:a16="http://schemas.microsoft.com/office/drawing/2014/main" id="{F3136160-4589-D3D4-01B2-A7982A94339F}"/>
+                <a16:creationId xmlns:a16="http://schemas.microsoft.com/office/drawing/2014/main" id="{C607D5DC-D168-5AFD-1846-7850DD77E383}"/>
               </a:ext>
             </a:extLst>
           </p:cNvPr>
@@ -1450,7 +1450,7 @@
           <a:bodyPr/>
           <a:lstStyle/>
           <a:p>
-            <a:fld id="{6C5238C9-EF13-44FB-9214-15AEE9F86D62}" type="slidenum">
+            <a:fld id="{CD7DBB6D-0F43-4935-9246-D6C66D4F0ABF}" type="slidenum">
               <a:rPr lang="zh-CN" altLang="en-US" smtClean="0"/>
               <a:t>‹#›</a:t>
             </a:fld>
@@ -1461,7 +1461,7 @@
     </p:spTree>
     <p:extLst>
       <p:ext uri="{BB962C8B-B14F-4D97-AF65-F5344CB8AC3E}">
-        <p14:creationId xmlns:p14="http://schemas.microsoft.com/office/powerpoint/2010/main" val="3079192242"/>
+        <p14:creationId xmlns:p14="http://schemas.microsoft.com/office/powerpoint/2010/main" val="1543667634"/>
       </p:ext>
     </p:extLst>
   </p:cSld>
@@ -1493,7 +1493,7 @@
           <p:cNvPr id="2" name="标题 1">
             <a:extLst>
               <a:ext uri="{FF2B5EF4-FFF2-40B4-BE49-F238E27FC236}">
-                <a16:creationId xmlns:a16="http://schemas.microsoft.com/office/drawing/2014/main" id="{571C8E3B-4709-0903-B54C-470FFF121D3B}"/>
+                <a16:creationId xmlns:a16="http://schemas.microsoft.com/office/drawing/2014/main" id="{093296D2-0567-D4CF-4DCF-5EDEE8B19339}"/>
               </a:ext>
             </a:extLst>
           </p:cNvPr>
@@ -1526,7 +1526,7 @@
           <p:cNvPr id="3" name="文本占位符 2">
             <a:extLst>
               <a:ext uri="{FF2B5EF4-FFF2-40B4-BE49-F238E27FC236}">
-                <a16:creationId xmlns:a16="http://schemas.microsoft.com/office/drawing/2014/main" id="{89324356-E4FB-ED12-558C-D0894B2EE7A7}"/>
+                <a16:creationId xmlns:a16="http://schemas.microsoft.com/office/drawing/2014/main" id="{8502F6CB-DBF5-B07F-CA85-0FE0225EDB58}"/>
               </a:ext>
             </a:extLst>
           </p:cNvPr>
@@ -1597,7 +1597,7 @@
           <p:cNvPr id="4" name="内容占位符 3">
             <a:extLst>
               <a:ext uri="{FF2B5EF4-FFF2-40B4-BE49-F238E27FC236}">
-                <a16:creationId xmlns:a16="http://schemas.microsoft.com/office/drawing/2014/main" id="{DB5FBCD6-669E-8AC9-8400-EA0E3685EF0A}"/>
+                <a16:creationId xmlns:a16="http://schemas.microsoft.com/office/drawing/2014/main" id="{B235C703-FB29-58F6-A76B-42A5128C8E4C}"/>
               </a:ext>
             </a:extLst>
           </p:cNvPr>
@@ -1659,7 +1659,7 @@
           <p:cNvPr id="5" name="文本占位符 4">
             <a:extLst>
               <a:ext uri="{FF2B5EF4-FFF2-40B4-BE49-F238E27FC236}">
-                <a16:creationId xmlns:a16="http://schemas.microsoft.com/office/drawing/2014/main" id="{FABEB71C-FDB5-390E-2C2D-E18DF21BC685}"/>
+                <a16:creationId xmlns:a16="http://schemas.microsoft.com/office/drawing/2014/main" id="{6BF17825-40E1-BF2B-E48F-C03BAFFEB85C}"/>
               </a:ext>
             </a:extLst>
           </p:cNvPr>
@@ -1730,7 +1730,7 @@
           <p:cNvPr id="6" name="内容占位符 5">
             <a:extLst>
               <a:ext uri="{FF2B5EF4-FFF2-40B4-BE49-F238E27FC236}">
-                <a16:creationId xmlns:a16="http://schemas.microsoft.com/office/drawing/2014/main" id="{61C457EE-6A80-C4FC-F886-2DD6C1AB3CDD}"/>
+                <a16:creationId xmlns:a16="http://schemas.microsoft.com/office/drawing/2014/main" id="{4C9D5690-B3E0-1DA4-28E5-07FD8CFC1D0D}"/>
               </a:ext>
             </a:extLst>
           </p:cNvPr>
@@ -1792,7 +1792,7 @@
           <p:cNvPr id="7" name="日期占位符 6">
             <a:extLst>
               <a:ext uri="{FF2B5EF4-FFF2-40B4-BE49-F238E27FC236}">
-                <a16:creationId xmlns:a16="http://schemas.microsoft.com/office/drawing/2014/main" id="{9D9A9F52-507C-BA3D-F113-3508B5A95AA2}"/>
+                <a16:creationId xmlns:a16="http://schemas.microsoft.com/office/drawing/2014/main" id="{1E257E76-2BF9-9C73-22FD-132C57698A04}"/>
               </a:ext>
             </a:extLst>
           </p:cNvPr>
@@ -1808,7 +1808,7 @@
           <a:bodyPr/>
           <a:lstStyle/>
           <a:p>
-            <a:fld id="{FEED5335-DE04-4904-A97B-8CFA0625A042}" type="datetimeFigureOut">
+            <a:fld id="{049BA91F-0589-443C-BC9F-538F03BCCCF9}" type="datetimeFigureOut">
               <a:rPr lang="zh-CN" altLang="en-US" smtClean="0"/>
               <a:t>2024/3/10</a:t>
             </a:fld>
@@ -1821,7 +1821,7 @@
           <p:cNvPr id="8" name="页脚占位符 7">
             <a:extLst>
               <a:ext uri="{FF2B5EF4-FFF2-40B4-BE49-F238E27FC236}">
-                <a16:creationId xmlns:a16="http://schemas.microsoft.com/office/drawing/2014/main" id="{72DD41AF-3764-D393-992B-B849AF32727A}"/>
+                <a16:creationId xmlns:a16="http://schemas.microsoft.com/office/drawing/2014/main" id="{F33DCFA7-447E-2774-667C-CD8EED756F1E}"/>
               </a:ext>
             </a:extLst>
           </p:cNvPr>
@@ -1846,7 +1846,7 @@
           <p:cNvPr id="9" name="灯片编号占位符 8">
             <a:extLst>
               <a:ext uri="{FF2B5EF4-FFF2-40B4-BE49-F238E27FC236}">
-                <a16:creationId xmlns:a16="http://schemas.microsoft.com/office/drawing/2014/main" id="{EDB3B593-9B5D-CA38-08D6-57613DD02918}"/>
+                <a16:creationId xmlns:a16="http://schemas.microsoft.com/office/drawing/2014/main" id="{54E995BA-74A3-6331-57CE-AA2E33EBE0BE}"/>
               </a:ext>
             </a:extLst>
           </p:cNvPr>
@@ -1862,7 +1862,7 @@
           <a:bodyPr/>
           <a:lstStyle/>
           <a:p>
-            <a:fld id="{6C5238C9-EF13-44FB-9214-15AEE9F86D62}" type="slidenum">
+            <a:fld id="{CD7DBB6D-0F43-4935-9246-D6C66D4F0ABF}" type="slidenum">
               <a:rPr lang="zh-CN" altLang="en-US" smtClean="0"/>
               <a:t>‹#›</a:t>
             </a:fld>
@@ -1873,7 +1873,7 @@
     </p:spTree>
     <p:extLst>
       <p:ext uri="{BB962C8B-B14F-4D97-AF65-F5344CB8AC3E}">
-        <p14:creationId xmlns:p14="http://schemas.microsoft.com/office/powerpoint/2010/main" val="256981052"/>
+        <p14:creationId xmlns:p14="http://schemas.microsoft.com/office/powerpoint/2010/main" val="1410936526"/>
       </p:ext>
     </p:extLst>
   </p:cSld>
@@ -1905,7 +1905,7 @@
           <p:cNvPr id="2" name="标题 1">
             <a:extLst>
               <a:ext uri="{FF2B5EF4-FFF2-40B4-BE49-F238E27FC236}">
-                <a16:creationId xmlns:a16="http://schemas.microsoft.com/office/drawing/2014/main" id="{262CF6C7-63D3-DB21-FDE0-6693036B4346}"/>
+                <a16:creationId xmlns:a16="http://schemas.microsoft.com/office/drawing/2014/main" id="{88478970-AD53-89A1-46BC-84A8F209D534}"/>
               </a:ext>
             </a:extLst>
           </p:cNvPr>
@@ -1933,7 +1933,7 @@
           <p:cNvPr id="3" name="日期占位符 2">
             <a:extLst>
               <a:ext uri="{FF2B5EF4-FFF2-40B4-BE49-F238E27FC236}">
-                <a16:creationId xmlns:a16="http://schemas.microsoft.com/office/drawing/2014/main" id="{631EA968-8E0E-7C82-EDC0-0DD97175D9DA}"/>
+                <a16:creationId xmlns:a16="http://schemas.microsoft.com/office/drawing/2014/main" id="{9E208FDF-6828-8764-3A05-7C22A6C816AD}"/>
               </a:ext>
             </a:extLst>
           </p:cNvPr>
@@ -1949,7 +1949,7 @@
           <a:bodyPr/>
           <a:lstStyle/>
           <a:p>
-            <a:fld id="{FEED5335-DE04-4904-A97B-8CFA0625A042}" type="datetimeFigureOut">
+            <a:fld id="{049BA91F-0589-443C-BC9F-538F03BCCCF9}" type="datetimeFigureOut">
               <a:rPr lang="zh-CN" altLang="en-US" smtClean="0"/>
               <a:t>2024/3/10</a:t>
             </a:fld>
@@ -1962,7 +1962,7 @@
           <p:cNvPr id="4" name="页脚占位符 3">
             <a:extLst>
               <a:ext uri="{FF2B5EF4-FFF2-40B4-BE49-F238E27FC236}">
-                <a16:creationId xmlns:a16="http://schemas.microsoft.com/office/drawing/2014/main" id="{88651D34-8F18-AC7D-76C3-CB2FA2F9A324}"/>
+                <a16:creationId xmlns:a16="http://schemas.microsoft.com/office/drawing/2014/main" id="{ACBDABA9-5653-0D00-74DA-29D31CBF2BCE}"/>
               </a:ext>
             </a:extLst>
           </p:cNvPr>
@@ -1987,7 +1987,7 @@
           <p:cNvPr id="5" name="灯片编号占位符 4">
             <a:extLst>
               <a:ext uri="{FF2B5EF4-FFF2-40B4-BE49-F238E27FC236}">
-                <a16:creationId xmlns:a16="http://schemas.microsoft.com/office/drawing/2014/main" id="{9243F94B-9692-DA81-D07B-4B25AE18DA08}"/>
+                <a16:creationId xmlns:a16="http://schemas.microsoft.com/office/drawing/2014/main" id="{4D5B25DA-F925-1BC3-70E8-DB93F17D7323}"/>
               </a:ext>
             </a:extLst>
           </p:cNvPr>
@@ -2003,7 +2003,7 @@
           <a:bodyPr/>
           <a:lstStyle/>
           <a:p>
-            <a:fld id="{6C5238C9-EF13-44FB-9214-15AEE9F86D62}" type="slidenum">
+            <a:fld id="{CD7DBB6D-0F43-4935-9246-D6C66D4F0ABF}" type="slidenum">
               <a:rPr lang="zh-CN" altLang="en-US" smtClean="0"/>
               <a:t>‹#›</a:t>
             </a:fld>
@@ -2014,7 +2014,7 @@
     </p:spTree>
     <p:extLst>
       <p:ext uri="{BB962C8B-B14F-4D97-AF65-F5344CB8AC3E}">
-        <p14:creationId xmlns:p14="http://schemas.microsoft.com/office/powerpoint/2010/main" val="2048756524"/>
+        <p14:creationId xmlns:p14="http://schemas.microsoft.com/office/powerpoint/2010/main" val="1588210849"/>
       </p:ext>
     </p:extLst>
   </p:cSld>
@@ -2046,7 +2046,7 @@
           <p:cNvPr id="2" name="日期占位符 1">
             <a:extLst>
               <a:ext uri="{FF2B5EF4-FFF2-40B4-BE49-F238E27FC236}">
-                <a16:creationId xmlns:a16="http://schemas.microsoft.com/office/drawing/2014/main" id="{F3F7C9AB-AE9B-B138-EA45-6457D718F740}"/>
+                <a16:creationId xmlns:a16="http://schemas.microsoft.com/office/drawing/2014/main" id="{3C9E2BE9-AA00-19A4-389E-8E6E75AEE759}"/>
               </a:ext>
             </a:extLst>
           </p:cNvPr>
@@ -2062,7 +2062,7 @@
           <a:bodyPr/>
           <a:lstStyle/>
           <a:p>
-            <a:fld id="{FEED5335-DE04-4904-A97B-8CFA0625A042}" type="datetimeFigureOut">
+            <a:fld id="{049BA91F-0589-443C-BC9F-538F03BCCCF9}" type="datetimeFigureOut">
               <a:rPr lang="zh-CN" altLang="en-US" smtClean="0"/>
               <a:t>2024/3/10</a:t>
             </a:fld>
@@ -2075,7 +2075,7 @@
           <p:cNvPr id="3" name="页脚占位符 2">
             <a:extLst>
               <a:ext uri="{FF2B5EF4-FFF2-40B4-BE49-F238E27FC236}">
-                <a16:creationId xmlns:a16="http://schemas.microsoft.com/office/drawing/2014/main" id="{8C472C2A-A03C-84DF-73F4-C294D231D6DA}"/>
+                <a16:creationId xmlns:a16="http://schemas.microsoft.com/office/drawing/2014/main" id="{96C0349D-FCAE-05F7-77E2-52CE7030CB74}"/>
               </a:ext>
             </a:extLst>
           </p:cNvPr>
@@ -2100,7 +2100,7 @@
           <p:cNvPr id="4" name="灯片编号占位符 3">
             <a:extLst>
               <a:ext uri="{FF2B5EF4-FFF2-40B4-BE49-F238E27FC236}">
-                <a16:creationId xmlns:a16="http://schemas.microsoft.com/office/drawing/2014/main" id="{789B00B5-B3F4-7CED-9FB9-AF333CF7D9BE}"/>
+                <a16:creationId xmlns:a16="http://schemas.microsoft.com/office/drawing/2014/main" id="{B90955CB-00BB-0B91-4D57-B79F9394AC71}"/>
               </a:ext>
             </a:extLst>
           </p:cNvPr>
@@ -2116,7 +2116,7 @@
           <a:bodyPr/>
           <a:lstStyle/>
           <a:p>
-            <a:fld id="{6C5238C9-EF13-44FB-9214-15AEE9F86D62}" type="slidenum">
+            <a:fld id="{CD7DBB6D-0F43-4935-9246-D6C66D4F0ABF}" type="slidenum">
               <a:rPr lang="zh-CN" altLang="en-US" smtClean="0"/>
               <a:t>‹#›</a:t>
             </a:fld>
@@ -2127,7 +2127,7 @@
     </p:spTree>
     <p:extLst>
       <p:ext uri="{BB962C8B-B14F-4D97-AF65-F5344CB8AC3E}">
-        <p14:creationId xmlns:p14="http://schemas.microsoft.com/office/powerpoint/2010/main" val="2603537208"/>
+        <p14:creationId xmlns:p14="http://schemas.microsoft.com/office/powerpoint/2010/main" val="2155372634"/>
       </p:ext>
     </p:extLst>
   </p:cSld>
@@ -2159,7 +2159,7 @@
           <p:cNvPr id="2" name="标题 1">
             <a:extLst>
               <a:ext uri="{FF2B5EF4-FFF2-40B4-BE49-F238E27FC236}">
-                <a16:creationId xmlns:a16="http://schemas.microsoft.com/office/drawing/2014/main" id="{EDB4AFA7-C2C9-D8EC-9CD0-D70636B7238B}"/>
+                <a16:creationId xmlns:a16="http://schemas.microsoft.com/office/drawing/2014/main" id="{894F8197-3B6A-B331-690A-35608710B238}"/>
               </a:ext>
             </a:extLst>
           </p:cNvPr>
@@ -2196,7 +2196,7 @@
           <p:cNvPr id="3" name="内容占位符 2">
             <a:extLst>
               <a:ext uri="{FF2B5EF4-FFF2-40B4-BE49-F238E27FC236}">
-                <a16:creationId xmlns:a16="http://schemas.microsoft.com/office/drawing/2014/main" id="{467E407C-B22A-CD30-62E5-509DA9E7B073}"/>
+                <a16:creationId xmlns:a16="http://schemas.microsoft.com/office/drawing/2014/main" id="{6AE94F9A-0F7A-E881-D846-F95256135731}"/>
               </a:ext>
             </a:extLst>
           </p:cNvPr>
@@ -2286,7 +2286,7 @@
           <p:cNvPr id="4" name="文本占位符 3">
             <a:extLst>
               <a:ext uri="{FF2B5EF4-FFF2-40B4-BE49-F238E27FC236}">
-                <a16:creationId xmlns:a16="http://schemas.microsoft.com/office/drawing/2014/main" id="{C930AE8B-D8AD-0C80-6216-A4CB956AEC43}"/>
+                <a16:creationId xmlns:a16="http://schemas.microsoft.com/office/drawing/2014/main" id="{AF0B040D-99ED-8D24-595D-96A9D9048DEB}"/>
               </a:ext>
             </a:extLst>
           </p:cNvPr>
@@ -2357,7 +2357,7 @@
           <p:cNvPr id="5" name="日期占位符 4">
             <a:extLst>
               <a:ext uri="{FF2B5EF4-FFF2-40B4-BE49-F238E27FC236}">
-                <a16:creationId xmlns:a16="http://schemas.microsoft.com/office/drawing/2014/main" id="{9AD72B6E-E818-6880-C0EB-452CE34B097A}"/>
+                <a16:creationId xmlns:a16="http://schemas.microsoft.com/office/drawing/2014/main" id="{EF357E78-A955-3FC1-D5A5-10344D325544}"/>
               </a:ext>
             </a:extLst>
           </p:cNvPr>
@@ -2373,7 +2373,7 @@
           <a:bodyPr/>
           <a:lstStyle/>
           <a:p>
-            <a:fld id="{FEED5335-DE04-4904-A97B-8CFA0625A042}" type="datetimeFigureOut">
+            <a:fld id="{049BA91F-0589-443C-BC9F-538F03BCCCF9}" type="datetimeFigureOut">
               <a:rPr lang="zh-CN" altLang="en-US" smtClean="0"/>
               <a:t>2024/3/10</a:t>
             </a:fld>
@@ -2386,7 +2386,7 @@
           <p:cNvPr id="6" name="页脚占位符 5">
             <a:extLst>
               <a:ext uri="{FF2B5EF4-FFF2-40B4-BE49-F238E27FC236}">
-                <a16:creationId xmlns:a16="http://schemas.microsoft.com/office/drawing/2014/main" id="{8C177B6C-8DBF-3F6D-64CF-EE8FCB60838A}"/>
+                <a16:creationId xmlns:a16="http://schemas.microsoft.com/office/drawing/2014/main" id="{E63E51D5-C537-F749-FF61-EE3AE0895125}"/>
               </a:ext>
             </a:extLst>
           </p:cNvPr>
@@ -2411,7 +2411,7 @@
           <p:cNvPr id="7" name="灯片编号占位符 6">
             <a:extLst>
               <a:ext uri="{FF2B5EF4-FFF2-40B4-BE49-F238E27FC236}">
-                <a16:creationId xmlns:a16="http://schemas.microsoft.com/office/drawing/2014/main" id="{3E4AC6C7-5814-AFBA-FED3-D774EAE73938}"/>
+                <a16:creationId xmlns:a16="http://schemas.microsoft.com/office/drawing/2014/main" id="{4E9455AD-1F91-F6F5-755F-53E6C9AB0FD1}"/>
               </a:ext>
             </a:extLst>
           </p:cNvPr>
@@ -2427,7 +2427,7 @@
           <a:bodyPr/>
           <a:lstStyle/>
           <a:p>
-            <a:fld id="{6C5238C9-EF13-44FB-9214-15AEE9F86D62}" type="slidenum">
+            <a:fld id="{CD7DBB6D-0F43-4935-9246-D6C66D4F0ABF}" type="slidenum">
               <a:rPr lang="zh-CN" altLang="en-US" smtClean="0"/>
               <a:t>‹#›</a:t>
             </a:fld>
@@ -2438,7 +2438,7 @@
     </p:spTree>
     <p:extLst>
       <p:ext uri="{BB962C8B-B14F-4D97-AF65-F5344CB8AC3E}">
-        <p14:creationId xmlns:p14="http://schemas.microsoft.com/office/powerpoint/2010/main" val="759262615"/>
+        <p14:creationId xmlns:p14="http://schemas.microsoft.com/office/powerpoint/2010/main" val="1228983168"/>
       </p:ext>
     </p:extLst>
   </p:cSld>
@@ -2470,7 +2470,7 @@
           <p:cNvPr id="2" name="标题 1">
             <a:extLst>
               <a:ext uri="{FF2B5EF4-FFF2-40B4-BE49-F238E27FC236}">
-                <a16:creationId xmlns:a16="http://schemas.microsoft.com/office/drawing/2014/main" id="{F7EF67F9-4166-46E2-4BC1-22526D3138E6}"/>
+                <a16:creationId xmlns:a16="http://schemas.microsoft.com/office/drawing/2014/main" id="{D709F3C4-4AED-20C5-E57A-B5982F9D92BE}"/>
               </a:ext>
             </a:extLst>
           </p:cNvPr>
@@ -2507,7 +2507,7 @@
           <p:cNvPr id="3" name="图片占位符 2">
             <a:extLst>
               <a:ext uri="{FF2B5EF4-FFF2-40B4-BE49-F238E27FC236}">
-                <a16:creationId xmlns:a16="http://schemas.microsoft.com/office/drawing/2014/main" id="{16BE0541-EECF-BEB8-E547-5B48CA37C628}"/>
+                <a16:creationId xmlns:a16="http://schemas.microsoft.com/office/drawing/2014/main" id="{F6C066B5-6378-7EC8-EBC5-E69C760F847C}"/>
               </a:ext>
             </a:extLst>
           </p:cNvPr>
@@ -2574,7 +2574,7 @@
           <p:cNvPr id="4" name="文本占位符 3">
             <a:extLst>
               <a:ext uri="{FF2B5EF4-FFF2-40B4-BE49-F238E27FC236}">
-                <a16:creationId xmlns:a16="http://schemas.microsoft.com/office/drawing/2014/main" id="{060F198A-4D7E-2155-3105-10D5424934D6}"/>
+                <a16:creationId xmlns:a16="http://schemas.microsoft.com/office/drawing/2014/main" id="{56A0236B-7D03-DDC4-5D68-12365CDC9F80}"/>
               </a:ext>
             </a:extLst>
           </p:cNvPr>
@@ -2645,7 +2645,7 @@
           <p:cNvPr id="5" name="日期占位符 4">
             <a:extLst>
               <a:ext uri="{FF2B5EF4-FFF2-40B4-BE49-F238E27FC236}">
-                <a16:creationId xmlns:a16="http://schemas.microsoft.com/office/drawing/2014/main" id="{D9868424-EA76-AB8B-9B52-4DCDF8471F3C}"/>
+                <a16:creationId xmlns:a16="http://schemas.microsoft.com/office/drawing/2014/main" id="{FD4973A6-F3C9-68AD-D728-778FF8C33F46}"/>
               </a:ext>
             </a:extLst>
           </p:cNvPr>
@@ -2661,7 +2661,7 @@
           <a:bodyPr/>
           <a:lstStyle/>
           <a:p>
-            <a:fld id="{FEED5335-DE04-4904-A97B-8CFA0625A042}" type="datetimeFigureOut">
+            <a:fld id="{049BA91F-0589-443C-BC9F-538F03BCCCF9}" type="datetimeFigureOut">
               <a:rPr lang="zh-CN" altLang="en-US" smtClean="0"/>
               <a:t>2024/3/10</a:t>
             </a:fld>
@@ -2674,7 +2674,7 @@
           <p:cNvPr id="6" name="页脚占位符 5">
             <a:extLst>
               <a:ext uri="{FF2B5EF4-FFF2-40B4-BE49-F238E27FC236}">
-                <a16:creationId xmlns:a16="http://schemas.microsoft.com/office/drawing/2014/main" id="{10C927BF-F12B-DCCE-39EC-43E3549E6CD4}"/>
+                <a16:creationId xmlns:a16="http://schemas.microsoft.com/office/drawing/2014/main" id="{2112F31F-4652-EF17-6896-5924AEFFD808}"/>
               </a:ext>
             </a:extLst>
           </p:cNvPr>
@@ -2699,7 +2699,7 @@
           <p:cNvPr id="7" name="灯片编号占位符 6">
             <a:extLst>
               <a:ext uri="{FF2B5EF4-FFF2-40B4-BE49-F238E27FC236}">
-                <a16:creationId xmlns:a16="http://schemas.microsoft.com/office/drawing/2014/main" id="{A46C2AF7-503E-12B8-E03D-04562A09E846}"/>
+                <a16:creationId xmlns:a16="http://schemas.microsoft.com/office/drawing/2014/main" id="{94E8199D-759A-52C6-8A0B-1D23291FCDE5}"/>
               </a:ext>
             </a:extLst>
           </p:cNvPr>
@@ -2715,7 +2715,7 @@
           <a:bodyPr/>
           <a:lstStyle/>
           <a:p>
-            <a:fld id="{6C5238C9-EF13-44FB-9214-15AEE9F86D62}" type="slidenum">
+            <a:fld id="{CD7DBB6D-0F43-4935-9246-D6C66D4F0ABF}" type="slidenum">
               <a:rPr lang="zh-CN" altLang="en-US" smtClean="0"/>
               <a:t>‹#›</a:t>
             </a:fld>
@@ -2726,7 +2726,7 @@
     </p:spTree>
     <p:extLst>
       <p:ext uri="{BB962C8B-B14F-4D97-AF65-F5344CB8AC3E}">
-        <p14:creationId xmlns:p14="http://schemas.microsoft.com/office/powerpoint/2010/main" val="3768291119"/>
+        <p14:creationId xmlns:p14="http://schemas.microsoft.com/office/powerpoint/2010/main" val="1795381523"/>
       </p:ext>
     </p:extLst>
   </p:cSld>
@@ -2763,7 +2763,7 @@
           <p:cNvPr id="2" name="标题占位符 1">
             <a:extLst>
               <a:ext uri="{FF2B5EF4-FFF2-40B4-BE49-F238E27FC236}">
-                <a16:creationId xmlns:a16="http://schemas.microsoft.com/office/drawing/2014/main" id="{F28005EC-A6CB-34A9-842E-A10E21A33B34}"/>
+                <a16:creationId xmlns:a16="http://schemas.microsoft.com/office/drawing/2014/main" id="{3DFC3294-38C6-DF6E-4A38-5EBFCDC28AFE}"/>
               </a:ext>
             </a:extLst>
           </p:cNvPr>
@@ -2801,7 +2801,7 @@
           <p:cNvPr id="3" name="文本占位符 2">
             <a:extLst>
               <a:ext uri="{FF2B5EF4-FFF2-40B4-BE49-F238E27FC236}">
-                <a16:creationId xmlns:a16="http://schemas.microsoft.com/office/drawing/2014/main" id="{F027201D-F69B-1814-EA7A-4A67E7968FEB}"/>
+                <a16:creationId xmlns:a16="http://schemas.microsoft.com/office/drawing/2014/main" id="{65AE01C0-2C69-78B3-70FE-7B6DB5E0360A}"/>
               </a:ext>
             </a:extLst>
           </p:cNvPr>
@@ -2868,7 +2868,7 @@
           <p:cNvPr id="4" name="日期占位符 3">
             <a:extLst>
               <a:ext uri="{FF2B5EF4-FFF2-40B4-BE49-F238E27FC236}">
-                <a16:creationId xmlns:a16="http://schemas.microsoft.com/office/drawing/2014/main" id="{19421577-833E-513D-0605-9CC57C53F39B}"/>
+                <a16:creationId xmlns:a16="http://schemas.microsoft.com/office/drawing/2014/main" id="{3EB2E307-62EE-FD09-7B37-8F1E06485DC1}"/>
               </a:ext>
             </a:extLst>
           </p:cNvPr>
@@ -2902,7 +2902,7 @@
             </a:lvl1pPr>
           </a:lstStyle>
           <a:p>
-            <a:fld id="{FEED5335-DE04-4904-A97B-8CFA0625A042}" type="datetimeFigureOut">
+            <a:fld id="{049BA91F-0589-443C-BC9F-538F03BCCCF9}" type="datetimeFigureOut">
               <a:rPr lang="zh-CN" altLang="en-US" smtClean="0"/>
               <a:t>2024/3/10</a:t>
             </a:fld>
@@ -2915,7 +2915,7 @@
           <p:cNvPr id="5" name="页脚占位符 4">
             <a:extLst>
               <a:ext uri="{FF2B5EF4-FFF2-40B4-BE49-F238E27FC236}">
-                <a16:creationId xmlns:a16="http://schemas.microsoft.com/office/drawing/2014/main" id="{0B9E6901-B9F1-7500-3B27-366848C387B4}"/>
+                <a16:creationId xmlns:a16="http://schemas.microsoft.com/office/drawing/2014/main" id="{2905B7AD-9FA0-E122-AA83-9F3A1B551250}"/>
               </a:ext>
             </a:extLst>
           </p:cNvPr>
@@ -2958,7 +2958,7 @@
           <p:cNvPr id="6" name="灯片编号占位符 5">
             <a:extLst>
               <a:ext uri="{FF2B5EF4-FFF2-40B4-BE49-F238E27FC236}">
-                <a16:creationId xmlns:a16="http://schemas.microsoft.com/office/drawing/2014/main" id="{9B9B3FDD-0B03-0425-38C8-279FF8FDDCAD}"/>
+                <a16:creationId xmlns:a16="http://schemas.microsoft.com/office/drawing/2014/main" id="{401A43DC-8118-CC67-69D6-1B3D91B16C5A}"/>
               </a:ext>
             </a:extLst>
           </p:cNvPr>
@@ -2992,7 +2992,7 @@
             </a:lvl1pPr>
           </a:lstStyle>
           <a:p>
-            <a:fld id="{6C5238C9-EF13-44FB-9214-15AEE9F86D62}" type="slidenum">
+            <a:fld id="{CD7DBB6D-0F43-4935-9246-D6C66D4F0ABF}" type="slidenum">
               <a:rPr lang="zh-CN" altLang="en-US" smtClean="0"/>
               <a:t>‹#›</a:t>
             </a:fld>
@@ -3003,7 +3003,7 @@
     </p:spTree>
     <p:extLst>
       <p:ext uri="{BB962C8B-B14F-4D97-AF65-F5344CB8AC3E}">
-        <p14:creationId xmlns:p14="http://schemas.microsoft.com/office/powerpoint/2010/main" val="1314450645"/>
+        <p14:creationId xmlns:p14="http://schemas.microsoft.com/office/powerpoint/2010/main" val="930309427"/>
       </p:ext>
     </p:extLst>
   </p:cSld>
@@ -3323,7 +3323,7 @@
       </p:grpSpPr>
       <p:pic>
         <p:nvPicPr>
-          <p:cNvPr id="1545218" name="Picture 2" descr="1508"/>
+          <p:cNvPr id="1546242" name="Picture 2" descr="1509"/>
           <p:cNvPicPr>
             <a:picLocks noChangeAspect="1" noChangeArrowheads="1"/>
           </p:cNvPicPr>
@@ -3344,8 +3344,8 @@
         </p:blipFill>
         <p:spPr bwMode="auto">
           <a:xfrm>
-            <a:off x="1524000" y="0"/>
-            <a:ext cx="9144000" cy="5805488"/>
+            <a:off x="1614488" y="0"/>
+            <a:ext cx="9053512" cy="6789738"/>
           </a:xfrm>
           <a:prstGeom prst="rect">
             <a:avLst/>
@@ -3375,158 +3375,11 @@
           </a:extLst>
         </p:spPr>
       </p:pic>
-      <p:pic>
-        <p:nvPicPr>
-          <p:cNvPr id="1546243" name="Picture 3" descr="1508-2"/>
-          <p:cNvPicPr>
-            <a:picLocks noChangeAspect="1" noChangeArrowheads="1"/>
-          </p:cNvPicPr>
-          <p:nvPr/>
-        </p:nvPicPr>
-        <p:blipFill>
-          <a:blip r:embed="rId3">
-            <a:extLst>
-              <a:ext uri="{28A0092B-C50C-407E-A947-70E740481C1C}">
-                <a14:useLocalDpi xmlns:a14="http://schemas.microsoft.com/office/drawing/2010/main" val="0"/>
-              </a:ext>
-            </a:extLst>
-          </a:blip>
-          <a:srcRect/>
-          <a:stretch>
-            <a:fillRect/>
-          </a:stretch>
-        </p:blipFill>
-        <p:spPr bwMode="auto">
-          <a:xfrm>
-            <a:off x="1524000" y="0"/>
-            <a:ext cx="9144000" cy="6021388"/>
-          </a:xfrm>
-          <a:prstGeom prst="rect">
-            <a:avLst/>
-          </a:prstGeom>
-          <a:noFill/>
-          <a:ln>
-            <a:noFill/>
-          </a:ln>
-          <a:effectLst/>
-          <a:extLst>
-            <a:ext uri="{909E8E84-426E-40DD-AFC4-6F175D3DCCD1}">
-              <a14:hiddenFill xmlns:a14="http://schemas.microsoft.com/office/drawing/2010/main">
-                <a:solidFill>
-                  <a:srgbClr val="FFFFFF"/>
-                </a:solidFill>
-              </a14:hiddenFill>
-            </a:ext>
-            <a:ext uri="{91240B29-F687-4F45-9708-019B960494DF}">
-              <a14:hiddenLine xmlns:a14="http://schemas.microsoft.com/office/drawing/2010/main" w="9525">
-                <a:solidFill>
-                  <a:srgbClr val="000000"/>
-                </a:solidFill>
-                <a:miter lim="800000"/>
-                <a:headEnd/>
-                <a:tailEnd/>
-              </a14:hiddenLine>
-            </a:ext>
-            <a:ext uri="{AF507438-7753-43E0-B8FC-AC1667EBCBE1}">
-              <a14:hiddenEffects xmlns:a14="http://schemas.microsoft.com/office/drawing/2010/main">
-                <a:effectLst>
-                  <a:outerShdw dist="35921" dir="2700000" algn="ctr" rotWithShape="0">
-                    <a:srgbClr val="808080"/>
-                  </a:outerShdw>
-                </a:effectLst>
-              </a14:hiddenEffects>
-            </a:ext>
-          </a:extLst>
-        </p:spPr>
-      </p:pic>
     </p:spTree>
   </p:cSld>
   <p:clrMapOvr>
     <a:masterClrMapping/>
   </p:clrMapOvr>
-  <p:timing>
-    <p:tnLst>
-      <p:par>
-        <p:cTn id="1" dur="indefinite" restart="never" nodeType="tmRoot">
-          <p:childTnLst>
-            <p:seq concurrent="1" nextAc="seek">
-              <p:cTn id="2" dur="indefinite" nodeType="mainSeq">
-                <p:childTnLst>
-                  <p:par>
-                    <p:cTn id="3" fill="hold" nodeType="clickPar">
-                      <p:stCondLst>
-                        <p:cond delay="indefinite"/>
-                      </p:stCondLst>
-                      <p:childTnLst>
-                        <p:par>
-                          <p:cTn id="4" fill="hold" nodeType="withGroup">
-                            <p:stCondLst>
-                              <p:cond delay="0"/>
-                            </p:stCondLst>
-                            <p:childTnLst>
-                              <p:par>
-                                <p:cTn id="5" presetID="10" presetClass="entr" presetSubtype="0" fill="hold" nodeType="clickEffect">
-                                  <p:stCondLst>
-                                    <p:cond delay="0"/>
-                                  </p:stCondLst>
-                                  <p:childTnLst>
-                                    <p:set>
-                                      <p:cBhvr>
-                                        <p:cTn id="6" dur="1" fill="hold">
-                                          <p:stCondLst>
-                                            <p:cond delay="0"/>
-                                          </p:stCondLst>
-                                        </p:cTn>
-                                        <p:tgtEl>
-                                          <p:spTgt spid="1546243"/>
-                                        </p:tgtEl>
-                                        <p:attrNameLst>
-                                          <p:attrName>style.visibility</p:attrName>
-                                        </p:attrNameLst>
-                                      </p:cBhvr>
-                                      <p:to>
-                                        <p:strVal val="visible"/>
-                                      </p:to>
-                                    </p:set>
-                                    <p:animEffect transition="in" filter="fade">
-                                      <p:cBhvr>
-                                        <p:cTn id="7" dur="500"/>
-                                        <p:tgtEl>
-                                          <p:spTgt spid="1546243"/>
-                                        </p:tgtEl>
-                                      </p:cBhvr>
-                                    </p:animEffect>
-                                  </p:childTnLst>
-                                </p:cTn>
-                              </p:par>
-                            </p:childTnLst>
-                          </p:cTn>
-                        </p:par>
-                      </p:childTnLst>
-                    </p:cTn>
-                  </p:par>
-                </p:childTnLst>
-              </p:cTn>
-              <p:prevCondLst>
-                <p:cond evt="onPrev" delay="0">
-                  <p:tgtEl>
-                    <p:sldTgt/>
-                  </p:tgtEl>
-                </p:cond>
-              </p:prevCondLst>
-              <p:nextCondLst>
-                <p:cond evt="onNext" delay="0">
-                  <p:tgtEl>
-                    <p:sldTgt/>
-                  </p:tgtEl>
-                </p:cond>
-              </p:nextCondLst>
-            </p:seq>
-          </p:childTnLst>
-        </p:cTn>
-      </p:par>
-    </p:tnLst>
-  </p:timing>
 </p:sld>
 </file>
 
